--- a/misc/inter.pptx
+++ b/misc/inter.pptx
@@ -19865,12 +19865,12 @@
       </p:grpSpPr>
       <p:pic>
         <p:nvPicPr>
-          <p:cNvPr id="202" name="Google Shape;202;p23"/>
+          <p:cNvPr id="203" name="Google Shape;203;p23"/>
           <p:cNvPicPr preferRelativeResize="0">
             <a:picLocks noGrp="1"/>
           </p:cNvPicPr>
           <p:nvPr>
-            <p:ph type="body" idx="1"/>
+            <p:ph type="body" idx="2"/>
           </p:nvPr>
         </p:nvPicPr>
         <p:blipFill rotWithShape="1">
@@ -19882,8 +19882,8 @@
         </p:blipFill>
         <p:spPr>
           <a:xfrm>
-            <a:off x="467544" y="332656"/>
-            <a:ext cx="3888432" cy="5839544"/>
+            <a:off x="4763294" y="332656"/>
+            <a:ext cx="3769146" cy="6300754"/>
           </a:xfrm>
           <a:prstGeom prst="rect">
             <a:avLst/>
@@ -19894,27 +19894,50 @@
           </a:ln>
         </p:spPr>
       </p:pic>
+      <p:sp>
+        <p:nvSpPr>
+          <p:cNvPr id="2" name="Text Placeholder 1"/>
+          <p:cNvSpPr>
+            <a:spLocks noGrp="1"/>
+          </p:cNvSpPr>
+          <p:nvPr>
+            <p:ph type="body" idx="1"/>
+          </p:nvPr>
+        </p:nvSpPr>
+        <p:spPr/>
+        <p:txBody>
+          <a:bodyPr/>
+          <a:lstStyle/>
+          <a:p>
+            <a:endParaRPr lang="en-IN"/>
+          </a:p>
+        </p:txBody>
+      </p:sp>
       <p:pic>
         <p:nvPicPr>
-          <p:cNvPr id="203" name="Google Shape;203;p23"/>
-          <p:cNvPicPr preferRelativeResize="0">
-            <a:picLocks noGrp="1"/>
+          <p:cNvPr id="1026" name="Picture 2"/>
+          <p:cNvPicPr>
+            <a:picLocks noChangeAspect="1" noChangeArrowheads="1"/>
           </p:cNvPicPr>
-          <p:nvPr>
-            <p:ph type="body" idx="2"/>
-          </p:nvPr>
+          <p:nvPr/>
         </p:nvPicPr>
-        <p:blipFill rotWithShape="1">
+        <p:blipFill>
           <a:blip r:embed="rId4">
-            <a:alphaModFix/>
+            <a:extLst>
+              <a:ext uri="{28A0092B-C50C-407E-A947-70E740481C1C}">
+                <a14:useLocalDpi xmlns:a14="http://schemas.microsoft.com/office/drawing/2010/main" val="0"/>
+              </a:ext>
+            </a:extLst>
           </a:blip>
           <a:srcRect/>
-          <a:stretch/>
+          <a:stretch>
+            <a:fillRect/>
+          </a:stretch>
         </p:blipFill>
-        <p:spPr>
+        <p:spPr bwMode="auto">
           <a:xfrm>
-            <a:off x="4763294" y="332656"/>
-            <a:ext cx="3769146" cy="5839544"/>
+            <a:off x="621667" y="327546"/>
+            <a:ext cx="3675136" cy="6305864"/>
           </a:xfrm>
           <a:prstGeom prst="rect">
             <a:avLst/>
@@ -19923,6 +19946,35 @@
           <a:ln>
             <a:noFill/>
           </a:ln>
+          <a:effectLst/>
+          <a:extLst>
+            <a:ext uri="{909E8E84-426E-40DD-AFC4-6F175D3DCCD1}">
+              <a14:hiddenFill xmlns:a14="http://schemas.microsoft.com/office/drawing/2010/main">
+                <a:solidFill>
+                  <a:schemeClr val="accent1"/>
+                </a:solidFill>
+              </a14:hiddenFill>
+            </a:ext>
+            <a:ext uri="{91240B29-F687-4F45-9708-019B960494DF}">
+              <a14:hiddenLine xmlns:a14="http://schemas.microsoft.com/office/drawing/2010/main" w="9525">
+                <a:solidFill>
+                  <a:schemeClr val="tx1"/>
+                </a:solidFill>
+                <a:miter lim="800000"/>
+                <a:headEnd/>
+                <a:tailEnd/>
+              </a14:hiddenLine>
+            </a:ext>
+            <a:ext uri="{AF507438-7753-43E0-B8FC-AC1667EBCBE1}">
+              <a14:hiddenEffects xmlns:a14="http://schemas.microsoft.com/office/drawing/2010/main">
+                <a:effectLst>
+                  <a:outerShdw dist="35921" dir="2700000" algn="ctr" rotWithShape="0">
+                    <a:schemeClr val="bg2"/>
+                  </a:outerShdw>
+                </a:effectLst>
+              </a14:hiddenEffects>
+            </a:ext>
+          </a:extLst>
         </p:spPr>
       </p:pic>
     </p:spTree>
@@ -21473,7 +21525,7 @@
               <a:buNone/>
             </a:pPr>
             <a:r>
-              <a:rPr lang="en-IN" sz="2800" b="1" i="0" u="sng" strike="noStrike" cap="none">
+              <a:rPr lang="en-IN" sz="2800" b="1" i="0" u="sng" strike="noStrike" cap="none" dirty="0">
                 <a:solidFill>
                   <a:schemeClr val="dk2"/>
                 </a:solidFill>
@@ -21484,7 +21536,7 @@
               </a:rPr>
               <a:t>Abstract title: </a:t>
             </a:r>
-            <a:endParaRPr/>
+            <a:endParaRPr dirty="0"/>
           </a:p>
           <a:p>
             <a:pPr marL="0" marR="0" lvl="0" indent="0" algn="l" rtl="0">
@@ -21501,7 +21553,7 @@
               <a:buFont typeface="Noto Sans Symbols"/>
               <a:buNone/>
             </a:pPr>
-            <a:endParaRPr sz="2800" b="1" i="0" u="none" strike="noStrike" cap="none">
+            <a:endParaRPr sz="2800" b="1" i="0" u="none" strike="noStrike" cap="none" dirty="0">
               <a:solidFill>
                 <a:schemeClr val="dk2"/>
               </a:solidFill>
@@ -21512,22 +21564,11 @@
             </a:endParaRPr>
           </a:p>
           <a:p>
-            <a:pPr marL="0" marR="0" lvl="0" indent="0" algn="l" rtl="0">
-              <a:spcBef>
-                <a:spcPts val="600"/>
-              </a:spcBef>
-              <a:spcAft>
-                <a:spcPts val="0"/>
-              </a:spcAft>
-              <a:buClr>
-                <a:schemeClr val="accent1"/>
-              </a:buClr>
+            <a:pPr marL="0" lvl="0" indent="0">
               <a:buSzPts val="1540"/>
-              <a:buFont typeface="Noto Sans Symbols"/>
-              <a:buNone/>
             </a:pPr>
             <a:r>
-              <a:rPr lang="en-IN" sz="2200" b="1" i="0" u="none" strike="noStrike" cap="none">
+              <a:rPr lang="en-IN" sz="2200" b="1" i="0" u="none" strike="noStrike" cap="none" dirty="0">
                 <a:solidFill>
                   <a:schemeClr val="dk2"/>
                 </a:solidFill>
@@ -21539,11 +21580,11 @@
               <a:t>An </a:t>
             </a:r>
             <a:r>
-              <a:rPr lang="en-IN" sz="2200"/>
+              <a:rPr lang="en-IN" sz="2200" dirty="0"/>
               <a:t>automated</a:t>
             </a:r>
             <a:r>
-              <a:rPr lang="en-IN" sz="2200" b="1" i="0" u="none" strike="noStrike" cap="none">
+              <a:rPr lang="en-IN" sz="2200" b="1" i="0" u="none" strike="noStrike" cap="none" dirty="0">
                 <a:solidFill>
                   <a:schemeClr val="dk2"/>
                 </a:solidFill>
@@ -21552,7 +21593,31 @@
                 <a:cs typeface="Libre Baskerville"/>
                 <a:sym typeface="Libre Baskerville"/>
               </a:rPr>
-              <a:t> Intelligent assistant to present day farmers to maximize yield and streamline the process of buying and selling</a:t>
+              <a:t> Intelligent assistant to present day farmers to maximize yield and streamline the process of buying and </a:t>
+            </a:r>
+            <a:r>
+              <a:rPr lang="en-IN" sz="2200" b="1" i="0" u="none" strike="noStrike" cap="none" dirty="0" smtClean="0">
+                <a:solidFill>
+                  <a:schemeClr val="dk2"/>
+                </a:solidFill>
+                <a:latin typeface="Libre Baskerville"/>
+                <a:ea typeface="Libre Baskerville"/>
+                <a:cs typeface="Libre Baskerville"/>
+                <a:sym typeface="Libre Baskerville"/>
+              </a:rPr>
+              <a:t>selling </a:t>
+            </a:r>
+            <a:r>
+              <a:rPr lang="en-IN" sz="2400" dirty="0"/>
+              <a:t>using </a:t>
+            </a:r>
+            <a:r>
+              <a:rPr lang="en-IN" sz="2400" dirty="0" err="1" smtClean="0"/>
+              <a:t>IoT</a:t>
+            </a:r>
+            <a:r>
+              <a:rPr lang="en-IN" sz="2400" smtClean="0"/>
+              <a:t>.</a:t>
             </a:r>
             <a:endParaRPr sz="2200" b="1" i="0" u="none" strike="noStrike" cap="none">
               <a:solidFill>
@@ -21579,7 +21644,7 @@
               <a:buFont typeface="Noto Sans Symbols"/>
               <a:buNone/>
             </a:pPr>
-            <a:endParaRPr sz="1800" b="1" i="0" u="none" strike="noStrike" cap="none">
+            <a:endParaRPr sz="1800" b="1" i="0" u="none" strike="noStrike" cap="none" dirty="0">
               <a:solidFill>
                 <a:schemeClr val="dk2"/>
               </a:solidFill>
@@ -21604,7 +21669,7 @@
               <a:buFont typeface="Noto Sans Symbols"/>
               <a:buNone/>
             </a:pPr>
-            <a:endParaRPr sz="1800" b="1" i="0" u="none" strike="noStrike" cap="none">
+            <a:endParaRPr sz="1800" b="1" i="0" u="none" strike="noStrike" cap="none" dirty="0">
               <a:solidFill>
                 <a:schemeClr val="dk2"/>
               </a:solidFill>

--- a/misc/inter.pptx
+++ b/misc/inter.pptx
@@ -5,7 +5,7 @@
     <p:sldMasterId id="2147483659" r:id="rId1"/>
   </p:sldMasterIdLst>
   <p:notesMasterIdLst>
-    <p:notesMasterId r:id="rId25"/>
+    <p:notesMasterId r:id="rId26"/>
   </p:notesMasterIdLst>
   <p:sldIdLst>
     <p:sldId id="256" r:id="rId2"/>
@@ -20,26 +20,27 @@
     <p:sldId id="265" r:id="rId11"/>
     <p:sldId id="266" r:id="rId12"/>
     <p:sldId id="267" r:id="rId13"/>
-    <p:sldId id="268" r:id="rId14"/>
-    <p:sldId id="269" r:id="rId15"/>
-    <p:sldId id="270" r:id="rId16"/>
-    <p:sldId id="271" r:id="rId17"/>
-    <p:sldId id="272" r:id="rId18"/>
-    <p:sldId id="273" r:id="rId19"/>
-    <p:sldId id="274" r:id="rId20"/>
-    <p:sldId id="275" r:id="rId21"/>
-    <p:sldId id="276" r:id="rId22"/>
-    <p:sldId id="278" r:id="rId23"/>
-    <p:sldId id="279" r:id="rId24"/>
+    <p:sldId id="281" r:id="rId14"/>
+    <p:sldId id="268" r:id="rId15"/>
+    <p:sldId id="269" r:id="rId16"/>
+    <p:sldId id="270" r:id="rId17"/>
+    <p:sldId id="271" r:id="rId18"/>
+    <p:sldId id="272" r:id="rId19"/>
+    <p:sldId id="273" r:id="rId20"/>
+    <p:sldId id="274" r:id="rId21"/>
+    <p:sldId id="275" r:id="rId22"/>
+    <p:sldId id="276" r:id="rId23"/>
+    <p:sldId id="278" r:id="rId24"/>
+    <p:sldId id="279" r:id="rId25"/>
   </p:sldIdLst>
   <p:sldSz cx="9144000" cy="6858000" type="screen4x3"/>
   <p:notesSz cx="6858000" cy="9144000"/>
   <p:embeddedFontLst>
     <p:embeddedFont>
       <p:font typeface="Libre Baskerville" charset="0"/>
-      <p:regular r:id="rId26"/>
-      <p:bold r:id="rId27"/>
-      <p:italic r:id="rId28"/>
+      <p:regular r:id="rId27"/>
+      <p:bold r:id="rId28"/>
+      <p:italic r:id="rId29"/>
     </p:embeddedFont>
   </p:embeddedFontLst>
   <p:defaultTextStyle>
@@ -273,7 +274,7 @@
   </p:defaultTextStyle>
   <p:extLst>
     <p:ext uri="{EFAFB233-063F-42B5-8137-9DF3F51BA10A}">
-      <p15:sldGuideLst xmlns:p15="http://schemas.microsoft.com/office/powerpoint/2012/main" xmlns:p14="http://schemas.microsoft.com/office/powerpoint/2010/main" xmlns:com="http://schemas.openxmlformats.org/drawingml/2006/compatibility" xmlns:pvml="urn:schemas-microsoft-com:office:powerpoint" xmlns:v="urn:schemas-microsoft-com:vml" xmlns:o="urn:schemas-microsoft-com:office:office" xmlns:dgm="http://schemas.openxmlformats.org/drawingml/2006/diagram" xmlns:c="http://schemas.openxmlformats.org/drawingml/2006/chart" xmlns:mv="urn:schemas-microsoft-com:mac:vml" xmlns:mc="http://schemas.openxmlformats.org/markup-compatibility/2006" xmlns="">
+      <p15:sldGuideLst xmlns="" xmlns:mc="http://schemas.openxmlformats.org/markup-compatibility/2006" xmlns:mv="urn:schemas-microsoft-com:mac:vml" xmlns:c="http://schemas.openxmlformats.org/drawingml/2006/chart" xmlns:dgm="http://schemas.openxmlformats.org/drawingml/2006/diagram" xmlns:o="urn:schemas-microsoft-com:office:office" xmlns:v="urn:schemas-microsoft-com:vml" xmlns:pvml="urn:schemas-microsoft-com:office:powerpoint" xmlns:com="http://schemas.openxmlformats.org/drawingml/2006/compatibility" xmlns:p14="http://schemas.microsoft.com/office/powerpoint/2010/main" xmlns:p15="http://schemas.microsoft.com/office/powerpoint/2012/main">
         <p15:guide id="1" orient="horz" pos="2160">
           <p15:clr>
             <a:srgbClr val="000000"/>
@@ -20334,6 +20335,97 @@
   <p:cSld>
     <p:spTree>
       <p:nvGrpSpPr>
+        <p:cNvPr id="1" name=""/>
+        <p:cNvGrpSpPr/>
+        <p:nvPr/>
+      </p:nvGrpSpPr>
+      <p:grpSpPr>
+        <a:xfrm>
+          <a:off x="0" y="0"/>
+          <a:ext cx="0" cy="0"/>
+          <a:chOff x="0" y="0"/>
+          <a:chExt cx="0" cy="0"/>
+        </a:xfrm>
+      </p:grpSpPr>
+      <p:sp>
+        <p:nvSpPr>
+          <p:cNvPr id="2" name="Title 1"/>
+          <p:cNvSpPr>
+            <a:spLocks noGrp="1"/>
+          </p:cNvSpPr>
+          <p:nvPr>
+            <p:ph type="title"/>
+          </p:nvPr>
+        </p:nvSpPr>
+        <p:spPr/>
+        <p:txBody>
+          <a:bodyPr/>
+          <a:lstStyle/>
+          <a:p>
+            <a:r>
+              <a:rPr lang="en-IN" dirty="0" smtClean="0"/>
+              <a:t>Continued…</a:t>
+            </a:r>
+            <a:endParaRPr lang="en-IN" dirty="0"/>
+          </a:p>
+        </p:txBody>
+      </p:sp>
+      <p:sp>
+        <p:nvSpPr>
+          <p:cNvPr id="3" name="Content Placeholder 2"/>
+          <p:cNvSpPr>
+            <a:spLocks noGrp="1"/>
+          </p:cNvSpPr>
+          <p:nvPr>
+            <p:ph sz="quarter" idx="1"/>
+          </p:nvPr>
+        </p:nvSpPr>
+        <p:spPr/>
+        <p:txBody>
+          <a:bodyPr/>
+          <a:lstStyle/>
+          <a:p>
+            <a:r>
+              <a:rPr lang="en-IN" dirty="0" smtClean="0"/>
+              <a:t>Therefore, in our case,  N = 0.64% , P = 0.0778%, K = 1.24 %, this implies  a N-P-K ratio </a:t>
+            </a:r>
+            <a:r>
+              <a:rPr lang="en-IN" smtClean="0"/>
+              <a:t>of </a:t>
+            </a:r>
+            <a:r>
+              <a:rPr lang="en-IN" smtClean="0"/>
+              <a:t>10:2:24</a:t>
+            </a:r>
+            <a:endParaRPr lang="en-IN" dirty="0"/>
+          </a:p>
+        </p:txBody>
+      </p:sp>
+    </p:spTree>
+    <p:extLst>
+      <p:ext uri="{BB962C8B-B14F-4D97-AF65-F5344CB8AC3E}">
+        <p14:creationId xmlns:p14="http://schemas.microsoft.com/office/powerpoint/2010/main" val="2999926583"/>
+      </p:ext>
+    </p:extLst>
+  </p:cSld>
+  <p:clrMapOvr>
+    <a:masterClrMapping/>
+  </p:clrMapOvr>
+  <p:timing>
+    <p:tnLst>
+      <p:par>
+        <p:cTn id="1" dur="indefinite" restart="never" nodeType="tmRoot"/>
+      </p:par>
+    </p:tnLst>
+  </p:timing>
+</p:sld>
+</file>
+
+<file path=ppt/slides/slide14.xml><?xml version="1.0" encoding="utf-8"?>
+<p:sld xmlns:a="http://schemas.openxmlformats.org/drawingml/2006/main" xmlns:r="http://schemas.openxmlformats.org/officeDocument/2006/relationships" xmlns:p="http://schemas.openxmlformats.org/presentationml/2006/main">
+  <p:cSld>
+    <p:spTree>
+      <p:nvGrpSpPr>
         <p:cNvPr id="1" name="Shape 214"/>
         <p:cNvGrpSpPr/>
         <p:nvPr/>
@@ -20550,7 +20642,7 @@
 </p:sld>
 </file>
 
-<file path=ppt/slides/slide14.xml><?xml version="1.0" encoding="utf-8"?>
+<file path=ppt/slides/slide15.xml><?xml version="1.0" encoding="utf-8"?>
 <p:sld xmlns:a="http://schemas.openxmlformats.org/drawingml/2006/main" xmlns:r="http://schemas.openxmlformats.org/officeDocument/2006/relationships" xmlns:p="http://schemas.openxmlformats.org/presentationml/2006/main">
   <p:cSld>
     <p:spTree>
@@ -20792,7 +20884,7 @@
 </p:sld>
 </file>
 
-<file path=ppt/slides/slide15.xml><?xml version="1.0" encoding="utf-8"?>
+<file path=ppt/slides/slide16.xml><?xml version="1.0" encoding="utf-8"?>
 <p:sld xmlns:a="http://schemas.openxmlformats.org/drawingml/2006/main" xmlns:r="http://schemas.openxmlformats.org/officeDocument/2006/relationships" xmlns:p="http://schemas.openxmlformats.org/presentationml/2006/main">
   <p:cSld>
     <p:bg>
@@ -20887,7 +20979,7 @@
 </p:sld>
 </file>
 
-<file path=ppt/slides/slide16.xml><?xml version="1.0" encoding="utf-8"?>
+<file path=ppt/slides/slide17.xml><?xml version="1.0" encoding="utf-8"?>
 <p:sld xmlns:a="http://schemas.openxmlformats.org/drawingml/2006/main" xmlns:r="http://schemas.openxmlformats.org/officeDocument/2006/relationships" xmlns:p="http://schemas.openxmlformats.org/presentationml/2006/main">
   <p:cSld>
     <p:bg>
@@ -20951,7 +21043,7 @@
 </p:sld>
 </file>
 
-<file path=ppt/slides/slide17.xml><?xml version="1.0" encoding="utf-8"?>
+<file path=ppt/slides/slide18.xml><?xml version="1.0" encoding="utf-8"?>
 <p:sld xmlns:a="http://schemas.openxmlformats.org/drawingml/2006/main" xmlns:r="http://schemas.openxmlformats.org/officeDocument/2006/relationships" xmlns:p="http://schemas.openxmlformats.org/presentationml/2006/main">
   <p:cSld>
     <p:spTree>
@@ -21139,7 +21231,7 @@
 </p:sld>
 </file>
 
-<file path=ppt/slides/slide18.xml><?xml version="1.0" encoding="utf-8"?>
+<file path=ppt/slides/slide19.xml><?xml version="1.0" encoding="utf-8"?>
 <p:sld xmlns:a="http://schemas.openxmlformats.org/drawingml/2006/main" xmlns:r="http://schemas.openxmlformats.org/officeDocument/2006/relationships" xmlns:p="http://schemas.openxmlformats.org/presentationml/2006/main">
   <p:cSld>
     <p:bg>
@@ -21203,188 +21295,6 @@
 </p:sld>
 </file>
 
-<file path=ppt/slides/slide19.xml><?xml version="1.0" encoding="utf-8"?>
-<p:sld xmlns:a="http://schemas.openxmlformats.org/drawingml/2006/main" xmlns:r="http://schemas.openxmlformats.org/officeDocument/2006/relationships" xmlns:p="http://schemas.openxmlformats.org/presentationml/2006/main">
-  <p:cSld>
-    <p:spTree>
-      <p:nvGrpSpPr>
-        <p:cNvPr id="1" name="Shape 248"/>
-        <p:cNvGrpSpPr/>
-        <p:nvPr/>
-      </p:nvGrpSpPr>
-      <p:grpSpPr>
-        <a:xfrm>
-          <a:off x="0" y="0"/>
-          <a:ext cx="0" cy="0"/>
-          <a:chOff x="0" y="0"/>
-          <a:chExt cx="0" cy="0"/>
-        </a:xfrm>
-      </p:grpSpPr>
-      <p:sp>
-        <p:nvSpPr>
-          <p:cNvPr id="249" name="Google Shape;249;p31"/>
-          <p:cNvSpPr txBox="1">
-            <a:spLocks noGrp="1"/>
-          </p:cNvSpPr>
-          <p:nvPr>
-            <p:ph type="title"/>
-          </p:nvPr>
-        </p:nvSpPr>
-        <p:spPr>
-          <a:xfrm>
-            <a:off x="457200" y="274638"/>
-            <a:ext cx="7467600" cy="1143000"/>
-          </a:xfrm>
-          <a:prstGeom prst="rect">
-            <a:avLst/>
-          </a:prstGeom>
-          <a:noFill/>
-          <a:ln>
-            <a:noFill/>
-          </a:ln>
-        </p:spPr>
-        <p:txBody>
-          <a:bodyPr spcFirstLastPara="1" wrap="square" lIns="91425" tIns="45700" rIns="91425" bIns="45700" anchor="b" anchorCtr="0">
-            <a:noAutofit/>
-          </a:bodyPr>
-          <a:lstStyle/>
-          <a:p>
-            <a:pPr marL="0" marR="0" lvl="0" indent="0" algn="l" rtl="0">
-              <a:spcBef>
-                <a:spcPts val="0"/>
-              </a:spcBef>
-              <a:spcAft>
-                <a:spcPts val="0"/>
-              </a:spcAft>
-              <a:buClr>
-                <a:schemeClr val="dk2"/>
-              </a:buClr>
-              <a:buSzPts val="3000"/>
-              <a:buFont typeface="Libre Baskerville"/>
-              <a:buNone/>
-            </a:pPr>
-            <a:r>
-              <a:rPr lang="en-IN" sz="3000" b="0" i="1" u="none" strike="noStrike" cap="small">
-                <a:solidFill>
-                  <a:schemeClr val="dk2"/>
-                </a:solidFill>
-                <a:latin typeface="Libre Baskerville"/>
-                <a:ea typeface="Libre Baskerville"/>
-                <a:cs typeface="Libre Baskerville"/>
-                <a:sym typeface="Libre Baskerville"/>
-              </a:rPr>
-              <a:t>The App-part 3: </a:t>
-            </a:r>
-            <a:br>
-              <a:rPr lang="en-IN" sz="3000" b="0" i="1" u="none" strike="noStrike" cap="small">
-                <a:solidFill>
-                  <a:schemeClr val="dk2"/>
-                </a:solidFill>
-                <a:latin typeface="Libre Baskerville"/>
-                <a:ea typeface="Libre Baskerville"/>
-                <a:cs typeface="Libre Baskerville"/>
-                <a:sym typeface="Libre Baskerville"/>
-              </a:rPr>
-            </a:br>
-            <a:r>
-              <a:rPr lang="en-IN" sz="3000" b="0" i="1" u="none" strike="noStrike" cap="small">
-                <a:solidFill>
-                  <a:schemeClr val="dk2"/>
-                </a:solidFill>
-                <a:latin typeface="Libre Baskerville"/>
-                <a:ea typeface="Libre Baskerville"/>
-                <a:cs typeface="Libre Baskerville"/>
-                <a:sym typeface="Libre Baskerville"/>
-              </a:rPr>
-              <a:t>Sell what you have grown:   </a:t>
-            </a:r>
-            <a:endParaRPr sz="3000" b="0" i="0" u="none" strike="noStrike" cap="small">
-              <a:solidFill>
-                <a:schemeClr val="dk2"/>
-              </a:solidFill>
-              <a:latin typeface="Libre Baskerville"/>
-              <a:ea typeface="Libre Baskerville"/>
-              <a:cs typeface="Libre Baskerville"/>
-              <a:sym typeface="Libre Baskerville"/>
-            </a:endParaRPr>
-          </a:p>
-        </p:txBody>
-      </p:sp>
-      <p:sp>
-        <p:nvSpPr>
-          <p:cNvPr id="250" name="Google Shape;250;p31"/>
-          <p:cNvSpPr txBox="1">
-            <a:spLocks noGrp="1"/>
-          </p:cNvSpPr>
-          <p:nvPr>
-            <p:ph type="body" idx="1"/>
-          </p:nvPr>
-        </p:nvSpPr>
-        <p:spPr>
-          <a:xfrm>
-            <a:off x="457200" y="1600200"/>
-            <a:ext cx="7467600" cy="4873752"/>
-          </a:xfrm>
-          <a:prstGeom prst="rect">
-            <a:avLst/>
-          </a:prstGeom>
-          <a:noFill/>
-          <a:ln>
-            <a:noFill/>
-          </a:ln>
-        </p:spPr>
-        <p:txBody>
-          <a:bodyPr spcFirstLastPara="1" wrap="square" lIns="91425" tIns="45700" rIns="91425" bIns="45700" anchor="t" anchorCtr="0">
-            <a:noAutofit/>
-          </a:bodyPr>
-          <a:lstStyle/>
-          <a:p>
-            <a:pPr marL="274320" marR="0" lvl="0" indent="-274320" algn="l" rtl="0">
-              <a:spcBef>
-                <a:spcPts val="0"/>
-              </a:spcBef>
-              <a:spcAft>
-                <a:spcPts val="0"/>
-              </a:spcAft>
-              <a:buClr>
-                <a:schemeClr val="accent1"/>
-              </a:buClr>
-              <a:buSzPts val="1680"/>
-              <a:buFont typeface="Noto Sans Symbols"/>
-              <a:buChar char="•"/>
-            </a:pPr>
-            <a:r>
-              <a:rPr lang="en-IN" sz="2400" b="0" i="0" u="none" strike="noStrike" cap="none">
-                <a:solidFill>
-                  <a:schemeClr val="dk1"/>
-                </a:solidFill>
-                <a:latin typeface="Libre Baskerville"/>
-                <a:ea typeface="Libre Baskerville"/>
-                <a:cs typeface="Libre Baskerville"/>
-                <a:sym typeface="Libre Baskerville"/>
-              </a:rPr>
-              <a:t>We have provided information of the big players of the market such as big basket, scrap the retail prices from an authentic source and allow farmers to make their bargain and send quotation.</a:t>
-            </a:r>
-            <a:endParaRPr sz="2400" b="0" i="0" u="none" strike="noStrike" cap="none">
-              <a:solidFill>
-                <a:schemeClr val="dk1"/>
-              </a:solidFill>
-              <a:latin typeface="Libre Baskerville"/>
-              <a:ea typeface="Libre Baskerville"/>
-              <a:cs typeface="Libre Baskerville"/>
-              <a:sym typeface="Libre Baskerville"/>
-            </a:endParaRPr>
-          </a:p>
-        </p:txBody>
-      </p:sp>
-    </p:spTree>
-  </p:cSld>
-  <p:clrMapOvr>
-    <a:masterClrMapping/>
-  </p:clrMapOvr>
-</p:sld>
-</file>
-
 <file path=ppt/slides/slide2.xml><?xml version="1.0" encoding="utf-8"?>
 <p:sld xmlns:a="http://schemas.openxmlformats.org/drawingml/2006/main" xmlns:r="http://schemas.openxmlformats.org/officeDocument/2006/relationships" xmlns:p="http://schemas.openxmlformats.org/presentationml/2006/main">
   <p:cSld>
@@ -21690,6 +21600,188 @@
 </file>
 
 <file path=ppt/slides/slide20.xml><?xml version="1.0" encoding="utf-8"?>
+<p:sld xmlns:a="http://schemas.openxmlformats.org/drawingml/2006/main" xmlns:r="http://schemas.openxmlformats.org/officeDocument/2006/relationships" xmlns:p="http://schemas.openxmlformats.org/presentationml/2006/main">
+  <p:cSld>
+    <p:spTree>
+      <p:nvGrpSpPr>
+        <p:cNvPr id="1" name="Shape 248"/>
+        <p:cNvGrpSpPr/>
+        <p:nvPr/>
+      </p:nvGrpSpPr>
+      <p:grpSpPr>
+        <a:xfrm>
+          <a:off x="0" y="0"/>
+          <a:ext cx="0" cy="0"/>
+          <a:chOff x="0" y="0"/>
+          <a:chExt cx="0" cy="0"/>
+        </a:xfrm>
+      </p:grpSpPr>
+      <p:sp>
+        <p:nvSpPr>
+          <p:cNvPr id="249" name="Google Shape;249;p31"/>
+          <p:cNvSpPr txBox="1">
+            <a:spLocks noGrp="1"/>
+          </p:cNvSpPr>
+          <p:nvPr>
+            <p:ph type="title"/>
+          </p:nvPr>
+        </p:nvSpPr>
+        <p:spPr>
+          <a:xfrm>
+            <a:off x="457200" y="274638"/>
+            <a:ext cx="7467600" cy="1143000"/>
+          </a:xfrm>
+          <a:prstGeom prst="rect">
+            <a:avLst/>
+          </a:prstGeom>
+          <a:noFill/>
+          <a:ln>
+            <a:noFill/>
+          </a:ln>
+        </p:spPr>
+        <p:txBody>
+          <a:bodyPr spcFirstLastPara="1" wrap="square" lIns="91425" tIns="45700" rIns="91425" bIns="45700" anchor="b" anchorCtr="0">
+            <a:noAutofit/>
+          </a:bodyPr>
+          <a:lstStyle/>
+          <a:p>
+            <a:pPr marL="0" marR="0" lvl="0" indent="0" algn="l" rtl="0">
+              <a:spcBef>
+                <a:spcPts val="0"/>
+              </a:spcBef>
+              <a:spcAft>
+                <a:spcPts val="0"/>
+              </a:spcAft>
+              <a:buClr>
+                <a:schemeClr val="dk2"/>
+              </a:buClr>
+              <a:buSzPts val="3000"/>
+              <a:buFont typeface="Libre Baskerville"/>
+              <a:buNone/>
+            </a:pPr>
+            <a:r>
+              <a:rPr lang="en-IN" sz="3000" b="0" i="1" u="none" strike="noStrike" cap="small">
+                <a:solidFill>
+                  <a:schemeClr val="dk2"/>
+                </a:solidFill>
+                <a:latin typeface="Libre Baskerville"/>
+                <a:ea typeface="Libre Baskerville"/>
+                <a:cs typeface="Libre Baskerville"/>
+                <a:sym typeface="Libre Baskerville"/>
+              </a:rPr>
+              <a:t>The App-part 3: </a:t>
+            </a:r>
+            <a:br>
+              <a:rPr lang="en-IN" sz="3000" b="0" i="1" u="none" strike="noStrike" cap="small">
+                <a:solidFill>
+                  <a:schemeClr val="dk2"/>
+                </a:solidFill>
+                <a:latin typeface="Libre Baskerville"/>
+                <a:ea typeface="Libre Baskerville"/>
+                <a:cs typeface="Libre Baskerville"/>
+                <a:sym typeface="Libre Baskerville"/>
+              </a:rPr>
+            </a:br>
+            <a:r>
+              <a:rPr lang="en-IN" sz="3000" b="0" i="1" u="none" strike="noStrike" cap="small">
+                <a:solidFill>
+                  <a:schemeClr val="dk2"/>
+                </a:solidFill>
+                <a:latin typeface="Libre Baskerville"/>
+                <a:ea typeface="Libre Baskerville"/>
+                <a:cs typeface="Libre Baskerville"/>
+                <a:sym typeface="Libre Baskerville"/>
+              </a:rPr>
+              <a:t>Sell what you have grown:   </a:t>
+            </a:r>
+            <a:endParaRPr sz="3000" b="0" i="0" u="none" strike="noStrike" cap="small">
+              <a:solidFill>
+                <a:schemeClr val="dk2"/>
+              </a:solidFill>
+              <a:latin typeface="Libre Baskerville"/>
+              <a:ea typeface="Libre Baskerville"/>
+              <a:cs typeface="Libre Baskerville"/>
+              <a:sym typeface="Libre Baskerville"/>
+            </a:endParaRPr>
+          </a:p>
+        </p:txBody>
+      </p:sp>
+      <p:sp>
+        <p:nvSpPr>
+          <p:cNvPr id="250" name="Google Shape;250;p31"/>
+          <p:cNvSpPr txBox="1">
+            <a:spLocks noGrp="1"/>
+          </p:cNvSpPr>
+          <p:nvPr>
+            <p:ph type="body" idx="1"/>
+          </p:nvPr>
+        </p:nvSpPr>
+        <p:spPr>
+          <a:xfrm>
+            <a:off x="457200" y="1600200"/>
+            <a:ext cx="7467600" cy="4873752"/>
+          </a:xfrm>
+          <a:prstGeom prst="rect">
+            <a:avLst/>
+          </a:prstGeom>
+          <a:noFill/>
+          <a:ln>
+            <a:noFill/>
+          </a:ln>
+        </p:spPr>
+        <p:txBody>
+          <a:bodyPr spcFirstLastPara="1" wrap="square" lIns="91425" tIns="45700" rIns="91425" bIns="45700" anchor="t" anchorCtr="0">
+            <a:noAutofit/>
+          </a:bodyPr>
+          <a:lstStyle/>
+          <a:p>
+            <a:pPr marL="274320" marR="0" lvl="0" indent="-274320" algn="l" rtl="0">
+              <a:spcBef>
+                <a:spcPts val="0"/>
+              </a:spcBef>
+              <a:spcAft>
+                <a:spcPts val="0"/>
+              </a:spcAft>
+              <a:buClr>
+                <a:schemeClr val="accent1"/>
+              </a:buClr>
+              <a:buSzPts val="1680"/>
+              <a:buFont typeface="Noto Sans Symbols"/>
+              <a:buChar char="•"/>
+            </a:pPr>
+            <a:r>
+              <a:rPr lang="en-IN" sz="2400" b="0" i="0" u="none" strike="noStrike" cap="none">
+                <a:solidFill>
+                  <a:schemeClr val="dk1"/>
+                </a:solidFill>
+                <a:latin typeface="Libre Baskerville"/>
+                <a:ea typeface="Libre Baskerville"/>
+                <a:cs typeface="Libre Baskerville"/>
+                <a:sym typeface="Libre Baskerville"/>
+              </a:rPr>
+              <a:t>We have provided information of the big players of the market such as big basket, scrap the retail prices from an authentic source and allow farmers to make their bargain and send quotation.</a:t>
+            </a:r>
+            <a:endParaRPr sz="2400" b="0" i="0" u="none" strike="noStrike" cap="none">
+              <a:solidFill>
+                <a:schemeClr val="dk1"/>
+              </a:solidFill>
+              <a:latin typeface="Libre Baskerville"/>
+              <a:ea typeface="Libre Baskerville"/>
+              <a:cs typeface="Libre Baskerville"/>
+              <a:sym typeface="Libre Baskerville"/>
+            </a:endParaRPr>
+          </a:p>
+        </p:txBody>
+      </p:sp>
+    </p:spTree>
+  </p:cSld>
+  <p:clrMapOvr>
+    <a:masterClrMapping/>
+  </p:clrMapOvr>
+</p:sld>
+</file>
+
+<file path=ppt/slides/slide21.xml><?xml version="1.0" encoding="utf-8"?>
 <p:sld xmlns:a="http://schemas.openxmlformats.org/drawingml/2006/main" xmlns:r="http://schemas.openxmlformats.org/officeDocument/2006/relationships" xmlns:p="http://schemas.openxmlformats.org/presentationml/2006/main">
   <p:cSld>
     <p:spTree>
@@ -21745,7 +21837,7 @@
 </p:sld>
 </file>
 
-<file path=ppt/slides/slide21.xml><?xml version="1.0" encoding="utf-8"?>
+<file path=ppt/slides/slide22.xml><?xml version="1.0" encoding="utf-8"?>
 <p:sld xmlns:a="http://schemas.openxmlformats.org/drawingml/2006/main" xmlns:r="http://schemas.openxmlformats.org/officeDocument/2006/relationships" xmlns:p="http://schemas.openxmlformats.org/presentationml/2006/main">
   <p:cSld>
     <p:spTree>
@@ -22064,7 +22156,7 @@
 </p:sld>
 </file>
 
-<file path=ppt/slides/slide22.xml><?xml version="1.0" encoding="utf-8"?>
+<file path=ppt/slides/slide23.xml><?xml version="1.0" encoding="utf-8"?>
 <p:sld xmlns:a="http://schemas.openxmlformats.org/drawingml/2006/main" xmlns:r="http://schemas.openxmlformats.org/officeDocument/2006/relationships" xmlns:p="http://schemas.openxmlformats.org/presentationml/2006/main">
   <p:cSld>
     <p:spTree>
@@ -22317,7 +22409,7 @@
 </p:sld>
 </file>
 
-<file path=ppt/slides/slide23.xml><?xml version="1.0" encoding="utf-8"?>
+<file path=ppt/slides/slide24.xml><?xml version="1.0" encoding="utf-8"?>
 <p:sld xmlns:a="http://schemas.openxmlformats.org/drawingml/2006/main" xmlns:r="http://schemas.openxmlformats.org/officeDocument/2006/relationships" xmlns:p="http://schemas.openxmlformats.org/presentationml/2006/main">
   <p:cSld>
     <p:spTree>
@@ -23151,10 +23243,10 @@
               <a:buNone/>
             </a:pPr>
             <a:r>
-              <a:rPr lang="en-IN"/>
+              <a:rPr lang="en-IN" dirty="0"/>
               <a:t>Technology Used:</a:t>
             </a:r>
-            <a:endParaRPr/>
+            <a:endParaRPr dirty="0"/>
           </a:p>
           <a:p>
             <a:pPr marL="457200" lvl="0" indent="-335280" rtl="0">
@@ -23168,10 +23260,14 @@
               <a:buAutoNum type="arabicPeriod"/>
             </a:pPr>
             <a:r>
-              <a:rPr lang="en-IN"/>
-              <a:t>NodeMCU for interfacing sensors and for sending data to the server</a:t>
+              <a:rPr lang="en-IN" dirty="0" err="1"/>
+              <a:t>NodeMCU</a:t>
             </a:r>
-            <a:endParaRPr/>
+            <a:r>
+              <a:rPr lang="en-IN" dirty="0"/>
+              <a:t> for interfacing sensors and for sending data to the server</a:t>
+            </a:r>
+            <a:endParaRPr dirty="0"/>
           </a:p>
           <a:p>
             <a:pPr marL="457200" lvl="0" indent="-335280" rtl="0">
@@ -23185,10 +23281,30 @@
               <a:buAutoNum type="arabicPeriod"/>
             </a:pPr>
             <a:r>
-              <a:rPr lang="en-IN"/>
-              <a:t>Pycno soil sensors to gather soil information</a:t>
+              <a:rPr lang="en-IN" dirty="0" smtClean="0"/>
+              <a:t>pH, NPK</a:t>
             </a:r>
-            <a:endParaRPr/>
+            <a:r>
+              <a:rPr lang="en-IN" dirty="0"/>
+              <a:t> </a:t>
+            </a:r>
+            <a:r>
+              <a:rPr lang="en-IN" dirty="0" smtClean="0"/>
+              <a:t> </a:t>
+            </a:r>
+            <a:r>
+              <a:rPr lang="en-IN" dirty="0"/>
+              <a:t>soil </a:t>
+            </a:r>
+            <a:r>
+              <a:rPr lang="en-IN" dirty="0" smtClean="0"/>
+              <a:t>sensor </a:t>
+            </a:r>
+            <a:r>
+              <a:rPr lang="en-IN" dirty="0"/>
+              <a:t>to gather soil information</a:t>
+            </a:r>
+            <a:endParaRPr dirty="0"/>
           </a:p>
           <a:p>
             <a:pPr marL="457200" lvl="0" indent="-335280" rtl="0">
@@ -23202,10 +23318,10 @@
               <a:buAutoNum type="arabicPeriod"/>
             </a:pPr>
             <a:r>
-              <a:rPr lang="en-IN"/>
+              <a:rPr lang="en-IN" dirty="0"/>
               <a:t>Arable sensors for gathering information on rainfall, biomass and chlorophyll content.</a:t>
             </a:r>
-            <a:endParaRPr/>
+            <a:endParaRPr dirty="0"/>
           </a:p>
           <a:p>
             <a:pPr marL="457200" lvl="0" indent="0">
@@ -23217,7 +23333,7 @@
               </a:spcAft>
               <a:buNone/>
             </a:pPr>
-            <a:endParaRPr/>
+            <a:endParaRPr dirty="0"/>
           </a:p>
         </p:txBody>
       </p:sp>
